--- a/doc/SLR1_Parser_presentation.pptx
+++ b/doc/SLR1_Parser_presentation.pptx
@@ -18,6 +18,8 @@
     <p:sldId id="267" r:id="rId12"/>
     <p:sldId id="268" r:id="rId13"/>
     <p:sldId id="269" r:id="rId14"/>
+    <p:sldId id="270" r:id="rId15"/>
+    <p:sldId id="271" r:id="rId16"/>
   </p:sldIdLst>
   <p:sldSz cx="9144000" cy="5143500" type="screen16x9"/>
   <p:notesSz cx="6858000" cy="9144000"/>
@@ -116,6 +118,22 @@
       </a:defRPr>
     </a:lvl9pPr>
   </p:defaultTextStyle>
+  <p:extLst>
+    <p:ext uri="{EFAFB233-063F-42B5-8137-9DF3F51BA10A}">
+      <p15:sldGuideLst xmlns:p15="http://schemas.microsoft.com/office/powerpoint/2012/main">
+        <p15:guide id="1" orient="horz" pos="1620">
+          <p15:clr>
+            <a:srgbClr val="A4A3A4"/>
+          </p15:clr>
+        </p15:guide>
+        <p15:guide id="2" pos="2880">
+          <p15:clr>
+            <a:srgbClr val="A4A3A4"/>
+          </p15:clr>
+        </p15:guide>
+      </p15:sldGuideLst>
+    </p:ext>
+  </p:extLst>
 </p:presentation>
 </file>
 
@@ -1382,699 +1400,6 @@
       <dsp:cNvGrpSpPr/>
     </dsp:nvGrpSpPr>
     <dsp:grpSpPr/>
-    <dsp:sp modelId="{9BBBC934-5895-5F43-9767-7EC990AA01A5}">
-      <dsp:nvSpPr>
-        <dsp:cNvPr id="0" name=""/>
-        <dsp:cNvSpPr/>
-      </dsp:nvSpPr>
-      <dsp:spPr>
-        <a:xfrm>
-          <a:off x="0" y="125800"/>
-          <a:ext cx="1400094" cy="1400094"/>
-        </a:xfrm>
-        <a:prstGeom prst="ellipse">
-          <a:avLst/>
-        </a:prstGeom>
-        <a:solidFill>
-          <a:schemeClr val="accent2">
-            <a:hueOff val="0"/>
-            <a:satOff val="0"/>
-            <a:lumOff val="0"/>
-            <a:alphaOff val="0"/>
-          </a:schemeClr>
-        </a:solidFill>
-        <a:ln>
-          <a:noFill/>
-        </a:ln>
-        <a:effectLst>
-          <a:outerShdw blurRad="39999" dist="23000" algn="bl" rotWithShape="0">
-            <a:srgbClr val="000000">
-              <a:alpha val="40000"/>
-            </a:srgbClr>
-          </a:outerShdw>
-        </a:effectLst>
-      </dsp:spPr>
-      <dsp:style>
-        <a:lnRef idx="0">
-          <a:scrgbClr r="0" g="0" b="0"/>
-        </a:lnRef>
-        <a:fillRef idx="3">
-          <a:scrgbClr r="0" g="0" b="0"/>
-        </a:fillRef>
-        <a:effectRef idx="2">
-          <a:scrgbClr r="0" g="0" b="0"/>
-        </a:effectRef>
-        <a:fontRef idx="minor">
-          <a:schemeClr val="lt1"/>
-        </a:fontRef>
-      </dsp:style>
-      <dsp:txBody>
-        <a:bodyPr spcFirstLastPara="0" vert="horz" wrap="square" lIns="27940" tIns="27940" rIns="27940" bIns="27940" numCol="1" spcCol="1270" anchor="ctr" anchorCtr="0">
-          <a:noAutofit/>
-        </a:bodyPr>
-        <a:lstStyle/>
-        <a:p>
-          <a:pPr lvl="0" algn="ctr" defTabSz="977900">
-            <a:lnSpc>
-              <a:spcPct val="90000"/>
-            </a:lnSpc>
-            <a:spcBef>
-              <a:spcPct val="0"/>
-            </a:spcBef>
-            <a:spcAft>
-              <a:spcPct val="35000"/>
-            </a:spcAft>
-          </a:pPr>
-          <a:r>
-            <a:rPr lang="it-IT" sz="2200" kern="1200" dirty="0" smtClean="0"/>
-            <a:t>Lettura file di input</a:t>
-          </a:r>
-          <a:endParaRPr lang="it-IT" sz="2200" kern="1200" dirty="0"/>
-        </a:p>
-      </dsp:txBody>
-      <dsp:txXfrm>
-        <a:off x="205039" y="330839"/>
-        <a:ext cx="990016" cy="990016"/>
-      </dsp:txXfrm>
-    </dsp:sp>
-    <dsp:sp modelId="{B30C0E7B-6005-2041-B799-BAD8458516F1}">
-      <dsp:nvSpPr>
-        <dsp:cNvPr id="0" name=""/>
-        <dsp:cNvSpPr/>
-      </dsp:nvSpPr>
-      <dsp:spPr>
-        <a:xfrm rot="10800000">
-          <a:off x="455030" y="1706682"/>
-          <a:ext cx="490033" cy="383268"/>
-        </a:xfrm>
-        <a:prstGeom prst="triangle">
-          <a:avLst/>
-        </a:prstGeom>
-        <a:solidFill>
-          <a:schemeClr val="accent2">
-            <a:hueOff val="0"/>
-            <a:satOff val="0"/>
-            <a:lumOff val="0"/>
-            <a:alphaOff val="0"/>
-          </a:schemeClr>
-        </a:solidFill>
-        <a:ln>
-          <a:noFill/>
-        </a:ln>
-        <a:effectLst>
-          <a:outerShdw blurRad="39999" dist="23000" algn="bl" rotWithShape="0">
-            <a:srgbClr val="000000">
-              <a:alpha val="40000"/>
-            </a:srgbClr>
-          </a:outerShdw>
-        </a:effectLst>
-      </dsp:spPr>
-      <dsp:style>
-        <a:lnRef idx="0">
-          <a:scrgbClr r="0" g="0" b="0"/>
-        </a:lnRef>
-        <a:fillRef idx="3">
-          <a:scrgbClr r="0" g="0" b="0"/>
-        </a:fillRef>
-        <a:effectRef idx="2">
-          <a:scrgbClr r="0" g="0" b="0"/>
-        </a:effectRef>
-        <a:fontRef idx="minor">
-          <a:schemeClr val="lt1"/>
-        </a:fontRef>
-      </dsp:style>
-    </dsp:sp>
-    <dsp:sp modelId="{4618A030-54C5-3242-A3A9-F1747B87B750}">
-      <dsp:nvSpPr>
-        <dsp:cNvPr id="0" name=""/>
-        <dsp:cNvSpPr/>
-      </dsp:nvSpPr>
-      <dsp:spPr>
-        <a:xfrm>
-          <a:off x="233115" y="2249044"/>
-          <a:ext cx="933863" cy="933863"/>
-        </a:xfrm>
-        <a:prstGeom prst="ellipse">
-          <a:avLst/>
-        </a:prstGeom>
-        <a:solidFill>
-          <a:schemeClr val="accent2">
-            <a:hueOff val="579989"/>
-            <a:satOff val="-8856"/>
-            <a:lumOff val="-314"/>
-            <a:alphaOff val="0"/>
-          </a:schemeClr>
-        </a:solidFill>
-        <a:ln>
-          <a:noFill/>
-        </a:ln>
-        <a:effectLst>
-          <a:outerShdw blurRad="39999" dist="23000" algn="bl" rotWithShape="0">
-            <a:srgbClr val="000000">
-              <a:alpha val="40000"/>
-            </a:srgbClr>
-          </a:outerShdw>
-        </a:effectLst>
-      </dsp:spPr>
-      <dsp:style>
-        <a:lnRef idx="0">
-          <a:scrgbClr r="0" g="0" b="0"/>
-        </a:lnRef>
-        <a:fillRef idx="3">
-          <a:scrgbClr r="0" g="0" b="0"/>
-        </a:fillRef>
-        <a:effectRef idx="2">
-          <a:scrgbClr r="0" g="0" b="0"/>
-        </a:effectRef>
-        <a:fontRef idx="minor">
-          <a:schemeClr val="lt1"/>
-        </a:fontRef>
-      </dsp:style>
-      <dsp:txBody>
-        <a:bodyPr spcFirstLastPara="0" vert="horz" wrap="square" lIns="11430" tIns="11430" rIns="11430" bIns="11430" numCol="1" spcCol="1270" anchor="ctr" anchorCtr="0">
-          <a:noAutofit/>
-        </a:bodyPr>
-        <a:lstStyle/>
-        <a:p>
-          <a:pPr lvl="0" algn="ctr" defTabSz="400050">
-            <a:lnSpc>
-              <a:spcPct val="90000"/>
-            </a:lnSpc>
-            <a:spcBef>
-              <a:spcPct val="0"/>
-            </a:spcBef>
-            <a:spcAft>
-              <a:spcPct val="35000"/>
-            </a:spcAft>
-          </a:pPr>
-          <a:r>
-            <a:rPr lang="it-IT" sz="900" kern="1200" dirty="0" smtClean="0"/>
-            <a:t>Conversione EBNF -&gt; BNF</a:t>
-          </a:r>
-          <a:endParaRPr lang="it-IT" sz="900" kern="1200" dirty="0"/>
-        </a:p>
-      </dsp:txBody>
-      <dsp:txXfrm>
-        <a:off x="369876" y="2385805"/>
-        <a:ext cx="660341" cy="660341"/>
-      </dsp:txXfrm>
-    </dsp:sp>
-    <dsp:sp modelId="{62B70956-FA17-8241-AC86-2D964B6637C9}">
-      <dsp:nvSpPr>
-        <dsp:cNvPr id="0" name=""/>
-        <dsp:cNvSpPr/>
-      </dsp:nvSpPr>
-      <dsp:spPr>
-        <a:xfrm rot="5400000">
-          <a:off x="1515949" y="2524341"/>
-          <a:ext cx="490033" cy="383268"/>
-        </a:xfrm>
-        <a:prstGeom prst="triangle">
-          <a:avLst/>
-        </a:prstGeom>
-        <a:solidFill>
-          <a:schemeClr val="accent2">
-            <a:hueOff val="724986"/>
-            <a:satOff val="-11070"/>
-            <a:lumOff val="-392"/>
-            <a:alphaOff val="0"/>
-          </a:schemeClr>
-        </a:solidFill>
-        <a:ln>
-          <a:noFill/>
-        </a:ln>
-        <a:effectLst>
-          <a:outerShdw blurRad="39999" dist="23000" algn="bl" rotWithShape="0">
-            <a:srgbClr val="000000">
-              <a:alpha val="40000"/>
-            </a:srgbClr>
-          </a:outerShdw>
-        </a:effectLst>
-      </dsp:spPr>
-      <dsp:style>
-        <a:lnRef idx="0">
-          <a:scrgbClr r="0" g="0" b="0"/>
-        </a:lnRef>
-        <a:fillRef idx="3">
-          <a:scrgbClr r="0" g="0" b="0"/>
-        </a:fillRef>
-        <a:effectRef idx="2">
-          <a:scrgbClr r="0" g="0" b="0"/>
-        </a:effectRef>
-        <a:fontRef idx="minor">
-          <a:schemeClr val="lt1"/>
-        </a:fontRef>
-      </dsp:style>
-    </dsp:sp>
-    <dsp:sp modelId="{C6CDB471-166A-4141-87B0-4AF66C55B8F9}">
-      <dsp:nvSpPr>
-        <dsp:cNvPr id="0" name=""/>
-        <dsp:cNvSpPr/>
-      </dsp:nvSpPr>
-      <dsp:spPr>
-        <a:xfrm>
-          <a:off x="2333257" y="2249044"/>
-          <a:ext cx="933863" cy="933863"/>
-        </a:xfrm>
-        <a:prstGeom prst="ellipse">
-          <a:avLst/>
-        </a:prstGeom>
-        <a:solidFill>
-          <a:schemeClr val="accent2">
-            <a:hueOff val="1159978"/>
-            <a:satOff val="-17712"/>
-            <a:lumOff val="-628"/>
-            <a:alphaOff val="0"/>
-          </a:schemeClr>
-        </a:solidFill>
-        <a:ln>
-          <a:noFill/>
-        </a:ln>
-        <a:effectLst>
-          <a:outerShdw blurRad="39999" dist="23000" algn="bl" rotWithShape="0">
-            <a:srgbClr val="000000">
-              <a:alpha val="40000"/>
-            </a:srgbClr>
-          </a:outerShdw>
-        </a:effectLst>
-      </dsp:spPr>
-      <dsp:style>
-        <a:lnRef idx="0">
-          <a:scrgbClr r="0" g="0" b="0"/>
-        </a:lnRef>
-        <a:fillRef idx="3">
-          <a:scrgbClr r="0" g="0" b="0"/>
-        </a:fillRef>
-        <a:effectRef idx="2">
-          <a:scrgbClr r="0" g="0" b="0"/>
-        </a:effectRef>
-        <a:fontRef idx="minor">
-          <a:schemeClr val="lt1"/>
-        </a:fontRef>
-      </dsp:style>
-      <dsp:txBody>
-        <a:bodyPr spcFirstLastPara="0" vert="horz" wrap="square" lIns="11430" tIns="11430" rIns="11430" bIns="11430" numCol="1" spcCol="1270" anchor="ctr" anchorCtr="0">
-          <a:noAutofit/>
-        </a:bodyPr>
-        <a:lstStyle/>
-        <a:p>
-          <a:pPr lvl="0" algn="ctr" defTabSz="400050">
-            <a:lnSpc>
-              <a:spcPct val="90000"/>
-            </a:lnSpc>
-            <a:spcBef>
-              <a:spcPct val="0"/>
-            </a:spcBef>
-            <a:spcAft>
-              <a:spcPct val="35000"/>
-            </a:spcAft>
-          </a:pPr>
-          <a:r>
-            <a:rPr lang="it-IT" sz="900" kern="1200" dirty="0" smtClean="0"/>
-            <a:t>First &amp; </a:t>
-          </a:r>
-          <a:r>
-            <a:rPr lang="it-IT" sz="900" kern="1200" dirty="0" err="1" smtClean="0"/>
-            <a:t>Follow</a:t>
-          </a:r>
-          <a:endParaRPr lang="it-IT" sz="900" kern="1200" dirty="0"/>
-        </a:p>
-      </dsp:txBody>
-      <dsp:txXfrm>
-        <a:off x="2470018" y="2385805"/>
-        <a:ext cx="660341" cy="660341"/>
-      </dsp:txXfrm>
-    </dsp:sp>
-    <dsp:sp modelId="{D763A172-3EFA-534A-BC14-9EBC0EF138A7}">
-      <dsp:nvSpPr>
-        <dsp:cNvPr id="0" name=""/>
-        <dsp:cNvSpPr/>
-      </dsp:nvSpPr>
-      <dsp:spPr>
-        <a:xfrm>
-          <a:off x="2555172" y="1568430"/>
-          <a:ext cx="490033" cy="383268"/>
-        </a:xfrm>
-        <a:prstGeom prst="triangle">
-          <a:avLst/>
-        </a:prstGeom>
-        <a:solidFill>
-          <a:schemeClr val="accent2">
-            <a:hueOff val="1449972"/>
-            <a:satOff val="-22140"/>
-            <a:lumOff val="-784"/>
-            <a:alphaOff val="0"/>
-          </a:schemeClr>
-        </a:solidFill>
-        <a:ln>
-          <a:noFill/>
-        </a:ln>
-        <a:effectLst>
-          <a:outerShdw blurRad="39999" dist="23000" algn="bl" rotWithShape="0">
-            <a:srgbClr val="000000">
-              <a:alpha val="40000"/>
-            </a:srgbClr>
-          </a:outerShdw>
-        </a:effectLst>
-      </dsp:spPr>
-      <dsp:style>
-        <a:lnRef idx="0">
-          <a:scrgbClr r="0" g="0" b="0"/>
-        </a:lnRef>
-        <a:fillRef idx="3">
-          <a:scrgbClr r="0" g="0" b="0"/>
-        </a:fillRef>
-        <a:effectRef idx="2">
-          <a:scrgbClr r="0" g="0" b="0"/>
-        </a:effectRef>
-        <a:fontRef idx="minor">
-          <a:schemeClr val="lt1"/>
-        </a:fontRef>
-      </dsp:style>
-    </dsp:sp>
-    <dsp:sp modelId="{3DBB8626-E775-F14C-A3E8-A7AFA3B011F5}">
-      <dsp:nvSpPr>
-        <dsp:cNvPr id="0" name=""/>
-        <dsp:cNvSpPr/>
-      </dsp:nvSpPr>
-      <dsp:spPr>
-        <a:xfrm>
-          <a:off x="2333257" y="358916"/>
-          <a:ext cx="933863" cy="933863"/>
-        </a:xfrm>
-        <a:prstGeom prst="ellipse">
-          <a:avLst/>
-        </a:prstGeom>
-        <a:solidFill>
-          <a:schemeClr val="accent2">
-            <a:hueOff val="1739967"/>
-            <a:satOff val="-26569"/>
-            <a:lumOff val="-941"/>
-            <a:alphaOff val="0"/>
-          </a:schemeClr>
-        </a:solidFill>
-        <a:ln>
-          <a:noFill/>
-        </a:ln>
-        <a:effectLst>
-          <a:outerShdw blurRad="39999" dist="23000" algn="bl" rotWithShape="0">
-            <a:srgbClr val="000000">
-              <a:alpha val="40000"/>
-            </a:srgbClr>
-          </a:outerShdw>
-        </a:effectLst>
-      </dsp:spPr>
-      <dsp:style>
-        <a:lnRef idx="0">
-          <a:scrgbClr r="0" g="0" b="0"/>
-        </a:lnRef>
-        <a:fillRef idx="3">
-          <a:scrgbClr r="0" g="0" b="0"/>
-        </a:fillRef>
-        <a:effectRef idx="2">
-          <a:scrgbClr r="0" g="0" b="0"/>
-        </a:effectRef>
-        <a:fontRef idx="minor">
-          <a:schemeClr val="lt1"/>
-        </a:fontRef>
-      </dsp:style>
-      <dsp:txBody>
-        <a:bodyPr spcFirstLastPara="0" vert="horz" wrap="square" lIns="11430" tIns="11430" rIns="11430" bIns="11430" numCol="1" spcCol="1270" anchor="ctr" anchorCtr="0">
-          <a:noAutofit/>
-        </a:bodyPr>
-        <a:lstStyle/>
-        <a:p>
-          <a:pPr lvl="0" algn="ctr" defTabSz="400050">
-            <a:lnSpc>
-              <a:spcPct val="90000"/>
-            </a:lnSpc>
-            <a:spcBef>
-              <a:spcPct val="0"/>
-            </a:spcBef>
-            <a:spcAft>
-              <a:spcPct val="35000"/>
-            </a:spcAft>
-          </a:pPr>
-          <a:r>
-            <a:rPr lang="it-IT" sz="900" kern="1200" dirty="0" smtClean="0"/>
-            <a:t>CFSM</a:t>
-          </a:r>
-          <a:endParaRPr lang="it-IT" sz="900" kern="1200" dirty="0"/>
-        </a:p>
-      </dsp:txBody>
-      <dsp:txXfrm>
-        <a:off x="2470018" y="495677"/>
-        <a:ext cx="660341" cy="660341"/>
-      </dsp:txXfrm>
-    </dsp:sp>
-    <dsp:sp modelId="{90154250-585F-144A-909D-06E626C197FC}">
-      <dsp:nvSpPr>
-        <dsp:cNvPr id="0" name=""/>
-        <dsp:cNvSpPr/>
-      </dsp:nvSpPr>
-      <dsp:spPr>
-        <a:xfrm rot="5400000">
-          <a:off x="3616091" y="634213"/>
-          <a:ext cx="490033" cy="383268"/>
-        </a:xfrm>
-        <a:prstGeom prst="triangle">
-          <a:avLst/>
-        </a:prstGeom>
-        <a:solidFill>
-          <a:schemeClr val="accent2">
-            <a:hueOff val="2174959"/>
-            <a:satOff val="-33211"/>
-            <a:lumOff val="-1177"/>
-            <a:alphaOff val="0"/>
-          </a:schemeClr>
-        </a:solidFill>
-        <a:ln>
-          <a:noFill/>
-        </a:ln>
-        <a:effectLst>
-          <a:outerShdw blurRad="39999" dist="23000" algn="bl" rotWithShape="0">
-            <a:srgbClr val="000000">
-              <a:alpha val="40000"/>
-            </a:srgbClr>
-          </a:outerShdw>
-        </a:effectLst>
-      </dsp:spPr>
-      <dsp:style>
-        <a:lnRef idx="0">
-          <a:scrgbClr r="0" g="0" b="0"/>
-        </a:lnRef>
-        <a:fillRef idx="3">
-          <a:scrgbClr r="0" g="0" b="0"/>
-        </a:fillRef>
-        <a:effectRef idx="2">
-          <a:scrgbClr r="0" g="0" b="0"/>
-        </a:effectRef>
-        <a:fontRef idx="minor">
-          <a:schemeClr val="lt1"/>
-        </a:fontRef>
-      </dsp:style>
-    </dsp:sp>
-    <dsp:sp modelId="{76F9E1AD-4225-F44C-9FED-700A62571D65}">
-      <dsp:nvSpPr>
-        <dsp:cNvPr id="0" name=""/>
-        <dsp:cNvSpPr/>
-      </dsp:nvSpPr>
-      <dsp:spPr>
-        <a:xfrm>
-          <a:off x="4433400" y="358916"/>
-          <a:ext cx="933863" cy="933863"/>
-        </a:xfrm>
-        <a:prstGeom prst="ellipse">
-          <a:avLst/>
-        </a:prstGeom>
-        <a:solidFill>
-          <a:schemeClr val="accent2">
-            <a:hueOff val="2319956"/>
-            <a:satOff val="-35425"/>
-            <a:lumOff val="-1255"/>
-            <a:alphaOff val="0"/>
-          </a:schemeClr>
-        </a:solidFill>
-        <a:ln>
-          <a:noFill/>
-        </a:ln>
-        <a:effectLst>
-          <a:outerShdw blurRad="39999" dist="23000" algn="bl" rotWithShape="0">
-            <a:srgbClr val="000000">
-              <a:alpha val="40000"/>
-            </a:srgbClr>
-          </a:outerShdw>
-        </a:effectLst>
-      </dsp:spPr>
-      <dsp:style>
-        <a:lnRef idx="0">
-          <a:scrgbClr r="0" g="0" b="0"/>
-        </a:lnRef>
-        <a:fillRef idx="3">
-          <a:scrgbClr r="0" g="0" b="0"/>
-        </a:fillRef>
-        <a:effectRef idx="2">
-          <a:scrgbClr r="0" g="0" b="0"/>
-        </a:effectRef>
-        <a:fontRef idx="minor">
-          <a:schemeClr val="lt1"/>
-        </a:fontRef>
-      </dsp:style>
-      <dsp:txBody>
-        <a:bodyPr spcFirstLastPara="0" vert="horz" wrap="square" lIns="11430" tIns="11430" rIns="11430" bIns="11430" numCol="1" spcCol="1270" anchor="ctr" anchorCtr="0">
-          <a:noAutofit/>
-        </a:bodyPr>
-        <a:lstStyle/>
-        <a:p>
-          <a:pPr lvl="0" algn="ctr" defTabSz="400050">
-            <a:lnSpc>
-              <a:spcPct val="90000"/>
-            </a:lnSpc>
-            <a:spcBef>
-              <a:spcPct val="0"/>
-            </a:spcBef>
-            <a:spcAft>
-              <a:spcPct val="35000"/>
-            </a:spcAft>
-          </a:pPr>
-          <a:r>
-            <a:rPr lang="it-IT" sz="900" kern="1200" dirty="0" smtClean="0"/>
-            <a:t>Creazione </a:t>
-          </a:r>
-          <a:r>
-            <a:rPr lang="it-IT" sz="900" kern="1200" dirty="0" err="1" smtClean="0"/>
-            <a:t>ActionGoto</a:t>
-          </a:r>
-          <a:endParaRPr lang="it-IT" sz="900" kern="1200" dirty="0"/>
-        </a:p>
-      </dsp:txBody>
-      <dsp:txXfrm>
-        <a:off x="4570161" y="495677"/>
-        <a:ext cx="660341" cy="660341"/>
-      </dsp:txXfrm>
-    </dsp:sp>
-    <dsp:sp modelId="{B641E7DE-1ACA-9744-AFF0-A67A3C1962C1}">
-      <dsp:nvSpPr>
-        <dsp:cNvPr id="0" name=""/>
-        <dsp:cNvSpPr/>
-      </dsp:nvSpPr>
-      <dsp:spPr>
-        <a:xfrm rot="10800000">
-          <a:off x="4655315" y="1473566"/>
-          <a:ext cx="490033" cy="383268"/>
-        </a:xfrm>
-        <a:prstGeom prst="triangle">
-          <a:avLst/>
-        </a:prstGeom>
-        <a:solidFill>
-          <a:schemeClr val="accent2">
-            <a:hueOff val="2899945"/>
-            <a:satOff val="-44281"/>
-            <a:lumOff val="-1569"/>
-            <a:alphaOff val="0"/>
-          </a:schemeClr>
-        </a:solidFill>
-        <a:ln>
-          <a:noFill/>
-        </a:ln>
-        <a:effectLst>
-          <a:outerShdw blurRad="39999" dist="23000" algn="bl" rotWithShape="0">
-            <a:srgbClr val="000000">
-              <a:alpha val="40000"/>
-            </a:srgbClr>
-          </a:outerShdw>
-        </a:effectLst>
-      </dsp:spPr>
-      <dsp:style>
-        <a:lnRef idx="0">
-          <a:scrgbClr r="0" g="0" b="0"/>
-        </a:lnRef>
-        <a:fillRef idx="3">
-          <a:scrgbClr r="0" g="0" b="0"/>
-        </a:fillRef>
-        <a:effectRef idx="2">
-          <a:scrgbClr r="0" g="0" b="0"/>
-        </a:effectRef>
-        <a:fontRef idx="minor">
-          <a:schemeClr val="lt1"/>
-        </a:fontRef>
-      </dsp:style>
-    </dsp:sp>
-    <dsp:sp modelId="{9FD80F8E-551C-9141-8EA7-0F07246A1ADD}">
-      <dsp:nvSpPr>
-        <dsp:cNvPr id="0" name=""/>
-        <dsp:cNvSpPr/>
-      </dsp:nvSpPr>
-      <dsp:spPr>
-        <a:xfrm>
-          <a:off x="4200284" y="2015928"/>
-          <a:ext cx="1400094" cy="1400094"/>
-        </a:xfrm>
-        <a:prstGeom prst="ellipse">
-          <a:avLst/>
-        </a:prstGeom>
-        <a:solidFill>
-          <a:schemeClr val="accent2">
-            <a:hueOff val="2899945"/>
-            <a:satOff val="-44281"/>
-            <a:lumOff val="-1569"/>
-            <a:alphaOff val="0"/>
-          </a:schemeClr>
-        </a:solidFill>
-        <a:ln>
-          <a:noFill/>
-        </a:ln>
-        <a:effectLst>
-          <a:outerShdw blurRad="39999" dist="23000" algn="bl" rotWithShape="0">
-            <a:srgbClr val="000000">
-              <a:alpha val="40000"/>
-            </a:srgbClr>
-          </a:outerShdw>
-        </a:effectLst>
-      </dsp:spPr>
-      <dsp:style>
-        <a:lnRef idx="0">
-          <a:scrgbClr r="0" g="0" b="0"/>
-        </a:lnRef>
-        <a:fillRef idx="3">
-          <a:scrgbClr r="0" g="0" b="0"/>
-        </a:fillRef>
-        <a:effectRef idx="2">
-          <a:scrgbClr r="0" g="0" b="0"/>
-        </a:effectRef>
-        <a:fontRef idx="minor">
-          <a:schemeClr val="lt1"/>
-        </a:fontRef>
-      </dsp:style>
-      <dsp:txBody>
-        <a:bodyPr spcFirstLastPara="0" vert="horz" wrap="square" lIns="27940" tIns="27940" rIns="27940" bIns="27940" numCol="1" spcCol="1270" anchor="ctr" anchorCtr="0">
-          <a:noAutofit/>
-        </a:bodyPr>
-        <a:lstStyle/>
-        <a:p>
-          <a:pPr lvl="0" algn="ctr" defTabSz="977900">
-            <a:lnSpc>
-              <a:spcPct val="90000"/>
-            </a:lnSpc>
-            <a:spcBef>
-              <a:spcPct val="0"/>
-            </a:spcBef>
-            <a:spcAft>
-              <a:spcPct val="35000"/>
-            </a:spcAft>
-          </a:pPr>
-          <a:r>
-            <a:rPr lang="it-IT" sz="2200" kern="1200" dirty="0" smtClean="0"/>
-            <a:t>Verifica INPUT</a:t>
-          </a:r>
-          <a:endParaRPr lang="it-IT" sz="2200" kern="1200" dirty="0"/>
-        </a:p>
-      </dsp:txBody>
-      <dsp:txXfrm>
-        <a:off x="4405323" y="2220967"/>
-        <a:ext cx="990016" cy="990016"/>
-      </dsp:txXfrm>
-    </dsp:sp>
   </dsp:spTree>
 </dsp:drawing>
 </file>
@@ -3619,7 +2944,7 @@
             <a:fld id="{451DEABC-D766-4322-8E78-B830FAE35C72}" type="datetime4">
               <a:rPr lang="en-US" smtClean="0"/>
               <a:pPr/>
-              <a:t>marzo 7, 2015</a:t>
+              <a:t>March 15, 2015</a:t>
             </a:fld>
             <a:endParaRPr lang="en-US" dirty="0"/>
           </a:p>
@@ -3762,7 +3087,7 @@
             <a:fld id="{F38DF745-7D3F-47F4-83A3-874385CFAA69}" type="slidenum">
               <a:rPr lang="en-US" smtClean="0"/>
               <a:pPr/>
-              <a:t>‹n.›</a:t>
+              <a:t>‹N›</a:t>
             </a:fld>
             <a:endParaRPr lang="en-US" dirty="0"/>
           </a:p>
@@ -3886,7 +3211,7 @@
             <a:fld id="{F3131F9E-604E-4343-9F29-EF72E8231CAD}" type="datetime4">
               <a:rPr lang="en-US" smtClean="0"/>
               <a:pPr/>
-              <a:t>marzo 7, 2015</a:t>
+              <a:t>March 15, 2015</a:t>
             </a:fld>
             <a:endParaRPr lang="en-US"/>
           </a:p>
@@ -3929,7 +3254,7 @@
             <a:fld id="{F38DF745-7D3F-47F4-83A3-874385CFAA69}" type="slidenum">
               <a:rPr lang="en-US" smtClean="0"/>
               <a:pPr/>
-              <a:t>‹n.›</a:t>
+              <a:t>‹N›</a:t>
             </a:fld>
             <a:endParaRPr lang="en-US"/>
           </a:p>
@@ -4063,7 +3388,7 @@
             <a:fld id="{34A8E1CE-37F8-4102-8DF9-852A0A51F293}" type="datetime4">
               <a:rPr lang="en-US" smtClean="0"/>
               <a:pPr/>
-              <a:t>marzo 7, 2015</a:t>
+              <a:t>March 15, 2015</a:t>
             </a:fld>
             <a:endParaRPr lang="en-US"/>
           </a:p>
@@ -4106,7 +3431,7 @@
             <a:fld id="{F38DF745-7D3F-47F4-83A3-874385CFAA69}" type="slidenum">
               <a:rPr lang="en-US" smtClean="0"/>
               <a:pPr/>
-              <a:t>‹n.›</a:t>
+              <a:t>‹N›</a:t>
             </a:fld>
             <a:endParaRPr lang="en-US"/>
           </a:p>
@@ -4230,7 +3555,7 @@
             <a:fld id="{93333F43-3E86-47E4-BFBB-2476D384E1C6}" type="datetime4">
               <a:rPr lang="en-US" smtClean="0"/>
               <a:pPr/>
-              <a:t>marzo 7, 2015</a:t>
+              <a:t>March 15, 2015</a:t>
             </a:fld>
             <a:endParaRPr lang="en-US"/>
           </a:p>
@@ -4273,7 +3598,7 @@
             <a:fld id="{F38DF745-7D3F-47F4-83A3-874385CFAA69}" type="slidenum">
               <a:rPr lang="en-US" smtClean="0"/>
               <a:pPr/>
-              <a:t>‹n.›</a:t>
+              <a:t>‹N›</a:t>
             </a:fld>
             <a:endParaRPr lang="en-US"/>
           </a:p>
@@ -4481,7 +3806,7 @@
             <a:fld id="{751663BA-01FC-4367-B6F3-ABB2645D55F1}" type="datetime4">
               <a:rPr lang="en-US" smtClean="0"/>
               <a:pPr/>
-              <a:t>marzo 7, 2015</a:t>
+              <a:t>March 15, 2015</a:t>
             </a:fld>
             <a:endParaRPr lang="en-US" dirty="0"/>
           </a:p>
@@ -4505,7 +3830,7 @@
             <a:fld id="{F38DF745-7D3F-47F4-83A3-874385CFAA69}" type="slidenum">
               <a:rPr lang="en-US" smtClean="0"/>
               <a:pPr/>
-              <a:t>‹n.›</a:t>
+              <a:t>‹N›</a:t>
             </a:fld>
             <a:endParaRPr lang="en-US" dirty="0"/>
           </a:p>
@@ -4766,7 +4091,7 @@
             <a:fld id="{79B19C71-EC74-44AF-B27E-FC7DC3C3A61D}" type="datetime4">
               <a:rPr lang="en-US" smtClean="0"/>
               <a:pPr/>
-              <a:t>marzo 7, 2015</a:t>
+              <a:t>March 15, 2015</a:t>
             </a:fld>
             <a:endParaRPr lang="en-US"/>
           </a:p>
@@ -4809,7 +4134,7 @@
             <a:fld id="{F38DF745-7D3F-47F4-83A3-874385CFAA69}" type="slidenum">
               <a:rPr lang="en-US" smtClean="0"/>
               <a:pPr/>
-              <a:t>‹n.›</a:t>
+              <a:t>‹N›</a:t>
             </a:fld>
             <a:endParaRPr lang="en-US"/>
           </a:p>
@@ -5207,7 +4532,7 @@
             <a:fld id="{6A5CDA29-3CBE-48EA-92AE-A996835462BA}" type="datetime4">
               <a:rPr lang="en-US" smtClean="0"/>
               <a:pPr/>
-              <a:t>marzo 7, 2015</a:t>
+              <a:t>March 15, 2015</a:t>
             </a:fld>
             <a:endParaRPr lang="en-US"/>
           </a:p>
@@ -5250,7 +4575,7 @@
             <a:fld id="{F38DF745-7D3F-47F4-83A3-874385CFAA69}" type="slidenum">
               <a:rPr lang="en-US" smtClean="0"/>
               <a:pPr/>
-              <a:t>‹n.›</a:t>
+              <a:t>‹N›</a:t>
             </a:fld>
             <a:endParaRPr lang="en-US"/>
           </a:p>
@@ -5322,7 +4647,7 @@
             <a:fld id="{E29EC054-3869-4501-B163-1BBFDE8DCE04}" type="datetime4">
               <a:rPr lang="en-US" smtClean="0"/>
               <a:pPr/>
-              <a:t>marzo 7, 2015</a:t>
+              <a:t>March 15, 2015</a:t>
             </a:fld>
             <a:endParaRPr lang="en-US"/>
           </a:p>
@@ -5365,7 +4690,7 @@
             <a:fld id="{F38DF745-7D3F-47F4-83A3-874385CFAA69}" type="slidenum">
               <a:rPr lang="en-US" smtClean="0"/>
               <a:pPr/>
-              <a:t>‹n.›</a:t>
+              <a:t>‹N›</a:t>
             </a:fld>
             <a:endParaRPr lang="en-US"/>
           </a:p>
@@ -5414,7 +4739,7 @@
             <a:fld id="{0A63D831-56C1-49CF-8EF7-8B9A98402BCD}" type="datetime4">
               <a:rPr lang="en-US" smtClean="0"/>
               <a:pPr/>
-              <a:t>marzo 7, 2015</a:t>
+              <a:t>March 15, 2015</a:t>
             </a:fld>
             <a:endParaRPr lang="en-US"/>
           </a:p>
@@ -5457,7 +4782,7 @@
             <a:fld id="{F38DF745-7D3F-47F4-83A3-874385CFAA69}" type="slidenum">
               <a:rPr lang="en-US" smtClean="0"/>
               <a:pPr/>
-              <a:t>‹n.›</a:t>
+              <a:t>‹N›</a:t>
             </a:fld>
             <a:endParaRPr lang="en-US"/>
           </a:p>
@@ -5658,7 +4983,7 @@
             <a:fld id="{6EAD5615-7F4F-4584-84D5-CC95918C321F}" type="datetime4">
               <a:rPr lang="en-US" smtClean="0"/>
               <a:pPr/>
-              <a:t>marzo 7, 2015</a:t>
+              <a:t>March 15, 2015</a:t>
             </a:fld>
             <a:endParaRPr lang="en-US"/>
           </a:p>
@@ -5701,7 +5026,7 @@
             <a:fld id="{F38DF745-7D3F-47F4-83A3-874385CFAA69}" type="slidenum">
               <a:rPr lang="en-US" smtClean="0"/>
               <a:pPr/>
-              <a:t>‹n.›</a:t>
+              <a:t>‹N›</a:t>
             </a:fld>
             <a:endParaRPr lang="en-US"/>
           </a:p>
@@ -5954,7 +5279,7 @@
             <a:fld id="{76EEA923-9BEE-48CE-9F28-5B525F399BAD}" type="datetime4">
               <a:rPr lang="en-US" smtClean="0"/>
               <a:pPr/>
-              <a:t>marzo 7, 2015</a:t>
+              <a:t>March 15, 2015</a:t>
             </a:fld>
             <a:endParaRPr lang="en-US"/>
           </a:p>
@@ -6005,7 +5330,7 @@
             <a:fld id="{F38DF745-7D3F-47F4-83A3-874385CFAA69}" type="slidenum">
               <a:rPr lang="en-US" smtClean="0"/>
               <a:pPr/>
-              <a:t>‹n.›</a:t>
+              <a:t>‹N›</a:t>
             </a:fld>
             <a:endParaRPr lang="en-US" dirty="0"/>
           </a:p>
@@ -6250,7 +5575,7 @@
             <a:fld id="{17D0EFEE-2756-4A20-BF2A-63F0A94F99AC}" type="datetime4">
               <a:rPr lang="en-US" smtClean="0"/>
               <a:pPr/>
-              <a:t>marzo 7, 2015</a:t>
+              <a:t>March 15, 2015</a:t>
             </a:fld>
             <a:endParaRPr lang="en-US" dirty="0"/>
           </a:p>
@@ -6325,7 +5650,7 @@
             <a:fld id="{F38DF745-7D3F-47F4-83A3-874385CFAA69}" type="slidenum">
               <a:rPr lang="en-US" smtClean="0"/>
               <a:pPr/>
-              <a:t>‹n.›</a:t>
+              <a:t>‹N›</a:t>
             </a:fld>
             <a:endParaRPr lang="en-US" dirty="0"/>
           </a:p>
@@ -6946,7 +6271,7 @@
   <p:timing>
     <p:tnLst>
       <p:par>
-        <p:cTn xmlns:p14="http://schemas.microsoft.com/office/powerpoint/2010/main" id="1" dur="indefinite" restart="never" nodeType="tmRoot"/>
+        <p:cTn id="1" dur="indefinite" restart="never" nodeType="tmRoot"/>
       </p:par>
     </p:tnLst>
   </p:timing>
@@ -7061,7 +6386,7 @@
   <p:timing>
     <p:tnLst>
       <p:par>
-        <p:cTn xmlns:p14="http://schemas.microsoft.com/office/powerpoint/2010/main" id="1" dur="indefinite" restart="never" nodeType="tmRoot"/>
+        <p:cTn id="1" dur="indefinite" restart="never" nodeType="tmRoot"/>
       </p:par>
     </p:tnLst>
   </p:timing>
@@ -7192,7 +6517,7 @@
           </p:nvPr>
         </p:nvPicPr>
         <p:blipFill>
-          <a:blip r:embed="rId2">
+          <a:blip r:embed="rId2" cstate="email">
             <a:extLst>
               <a:ext uri="{28A0092B-C50C-407E-A947-70E740481C1C}">
                 <a14:useLocalDpi xmlns:a14="http://schemas.microsoft.com/office/drawing/2010/main" val="0"/>
@@ -7227,7 +6552,7 @@
   <p:timing>
     <p:tnLst>
       <p:par>
-        <p:cTn xmlns:p14="http://schemas.microsoft.com/office/powerpoint/2010/main" id="1" dur="indefinite" restart="never" nodeType="tmRoot"/>
+        <p:cTn id="1" dur="indefinite" restart="never" nodeType="tmRoot"/>
       </p:par>
     </p:tnLst>
   </p:timing>
@@ -7285,7 +6610,7 @@
           </p:nvPr>
         </p:nvPicPr>
         <p:blipFill>
-          <a:blip r:embed="rId2">
+          <a:blip r:embed="rId2" cstate="email">
             <a:extLst>
               <a:ext uri="{28A0092B-C50C-407E-A947-70E740481C1C}">
                 <a14:useLocalDpi xmlns:a14="http://schemas.microsoft.com/office/drawing/2010/main" val="0"/>
@@ -7324,7 +6649,7 @@
   <p:timing>
     <p:tnLst>
       <p:par>
-        <p:cTn xmlns:p14="http://schemas.microsoft.com/office/powerpoint/2010/main" id="1" dur="indefinite" restart="never" nodeType="tmRoot"/>
+        <p:cTn id="1" dur="indefinite" restart="never" nodeType="tmRoot"/>
       </p:par>
     </p:tnLst>
   </p:timing>
@@ -7650,7 +6975,7 @@
         </p:nvGraphicFramePr>
         <p:xfrm>
           <a:off x="181419" y="1293473"/>
-          <a:ext cx="4008188" cy="2738120"/>
+          <a:ext cx="4008188" cy="3469640"/>
         </p:xfrm>
         <a:graphic>
           <a:graphicData uri="http://schemas.openxmlformats.org/drawingml/2006/table">
@@ -16454,7 +15779,1129 @@
   <p:timing>
     <p:tnLst>
       <p:par>
-        <p:cTn xmlns:p14="http://schemas.microsoft.com/office/powerpoint/2010/main" id="1" dur="indefinite" restart="never" nodeType="tmRoot"/>
+        <p:cTn id="1" dur="indefinite" restart="never" nodeType="tmRoot"/>
+      </p:par>
+    </p:tnLst>
+  </p:timing>
+</p:sld>
+</file>
+
+<file path=ppt/slides/slide14.xml><?xml version="1.0" encoding="utf-8"?>
+<p:sld xmlns:a="http://schemas.openxmlformats.org/drawingml/2006/main" xmlns:r="http://schemas.openxmlformats.org/officeDocument/2006/relationships" xmlns:p="http://schemas.openxmlformats.org/presentationml/2006/main">
+  <p:cSld>
+    <p:spTree>
+      <p:nvGrpSpPr>
+        <p:cNvPr id="1" name=""/>
+        <p:cNvGrpSpPr/>
+        <p:nvPr/>
+      </p:nvGrpSpPr>
+      <p:grpSpPr>
+        <a:xfrm>
+          <a:off x="0" y="0"/>
+          <a:ext cx="0" cy="0"/>
+          <a:chOff x="0" y="0"/>
+          <a:chExt cx="0" cy="0"/>
+        </a:xfrm>
+      </p:grpSpPr>
+      <p:sp>
+        <p:nvSpPr>
+          <p:cNvPr id="4" name="Titolo 3"/>
+          <p:cNvSpPr>
+            <a:spLocks noGrp="1"/>
+          </p:cNvSpPr>
+          <p:nvPr>
+            <p:ph type="title"/>
+          </p:nvPr>
+        </p:nvSpPr>
+        <p:spPr/>
+        <p:txBody>
+          <a:bodyPr/>
+          <a:lstStyle/>
+          <a:p>
+            <a:r>
+              <a:rPr lang="it-IT" dirty="0" smtClean="0"/>
+              <a:t>ESECUZIONE DEL PROGRAMMA</a:t>
+            </a:r>
+            <a:endParaRPr lang="it-IT" dirty="0"/>
+          </a:p>
+        </p:txBody>
+      </p:sp>
+      <p:sp>
+        <p:nvSpPr>
+          <p:cNvPr id="5" name="Segnaposto testo 4"/>
+          <p:cNvSpPr>
+            <a:spLocks noGrp="1"/>
+          </p:cNvSpPr>
+          <p:nvPr>
+            <p:ph type="body" idx="1"/>
+          </p:nvPr>
+        </p:nvSpPr>
+        <p:spPr>
+          <a:xfrm>
+            <a:off x="579674" y="1179576"/>
+            <a:ext cx="3291840" cy="479822"/>
+          </a:xfrm>
+        </p:spPr>
+        <p:txBody>
+          <a:bodyPr/>
+          <a:lstStyle/>
+          <a:p>
+            <a:r>
+              <a:rPr lang="it-IT" dirty="0" err="1" smtClean="0"/>
+              <a:t>rEQUISITI</a:t>
+            </a:r>
+            <a:endParaRPr lang="it-IT" dirty="0"/>
+          </a:p>
+        </p:txBody>
+      </p:sp>
+      <p:sp>
+        <p:nvSpPr>
+          <p:cNvPr id="6" name="Segnaposto contenuto 5"/>
+          <p:cNvSpPr>
+            <a:spLocks noGrp="1"/>
+          </p:cNvSpPr>
+          <p:nvPr>
+            <p:ph sz="half" idx="2"/>
+          </p:nvPr>
+        </p:nvSpPr>
+        <p:spPr>
+          <a:xfrm>
+            <a:off x="579674" y="1694525"/>
+            <a:ext cx="3291840" cy="2880360"/>
+          </a:xfrm>
+        </p:spPr>
+        <p:txBody>
+          <a:bodyPr/>
+          <a:lstStyle/>
+          <a:p>
+            <a:pPr marL="342900" indent="-342900">
+              <a:buFont typeface="Arial" panose="020B0604020202020204" pitchFamily="34" charset="0"/>
+              <a:buChar char="•"/>
+            </a:pPr>
+            <a:r>
+              <a:rPr lang="it-IT" dirty="0" smtClean="0"/>
+              <a:t>JDK 1.8</a:t>
+            </a:r>
+          </a:p>
+          <a:p>
+            <a:pPr marL="342900" indent="-342900">
+              <a:buFont typeface="Arial" panose="020B0604020202020204" pitchFamily="34" charset="0"/>
+              <a:buChar char="•"/>
+            </a:pPr>
+            <a:r>
+              <a:rPr lang="it-IT" dirty="0" smtClean="0"/>
+              <a:t>GIT</a:t>
+            </a:r>
+            <a:endParaRPr lang="it-IT" dirty="0"/>
+          </a:p>
+        </p:txBody>
+      </p:sp>
+      <p:sp>
+        <p:nvSpPr>
+          <p:cNvPr id="7" name="Segnaposto testo 6"/>
+          <p:cNvSpPr>
+            <a:spLocks noGrp="1"/>
+          </p:cNvSpPr>
+          <p:nvPr>
+            <p:ph type="body" sz="quarter" idx="3"/>
+          </p:nvPr>
+        </p:nvSpPr>
+        <p:spPr>
+          <a:xfrm>
+            <a:off x="3113070" y="1179576"/>
+            <a:ext cx="5271978" cy="479822"/>
+          </a:xfrm>
+        </p:spPr>
+        <p:txBody>
+          <a:bodyPr/>
+          <a:lstStyle/>
+          <a:p>
+            <a:r>
+              <a:rPr lang="it-IT" dirty="0" err="1" smtClean="0"/>
+              <a:t>aZIONI</a:t>
+            </a:r>
+            <a:endParaRPr lang="it-IT" dirty="0"/>
+          </a:p>
+        </p:txBody>
+      </p:sp>
+      <p:sp>
+        <p:nvSpPr>
+          <p:cNvPr id="8" name="Segnaposto contenuto 7"/>
+          <p:cNvSpPr>
+            <a:spLocks noGrp="1"/>
+          </p:cNvSpPr>
+          <p:nvPr>
+            <p:ph sz="quarter" idx="4"/>
+          </p:nvPr>
+        </p:nvSpPr>
+        <p:spPr>
+          <a:xfrm>
+            <a:off x="3113070" y="1694525"/>
+            <a:ext cx="5271978" cy="2880360"/>
+          </a:xfrm>
+        </p:spPr>
+        <p:txBody>
+          <a:bodyPr>
+            <a:normAutofit fontScale="70000" lnSpcReduction="20000"/>
+          </a:bodyPr>
+          <a:lstStyle/>
+          <a:p>
+            <a:pPr algn="just">
+              <a:lnSpc>
+                <a:spcPct val="150000"/>
+              </a:lnSpc>
+              <a:spcAft>
+                <a:spcPts val="0"/>
+              </a:spcAft>
+            </a:pPr>
+            <a:r>
+              <a:rPr lang="it-IT" sz="3600" dirty="0">
+                <a:latin typeface="Arial" panose="020B0604020202020204" pitchFamily="34" charset="0"/>
+                <a:ea typeface="MS PGothic" panose="020B0600070205080204" pitchFamily="34" charset="-128"/>
+                <a:cs typeface="Times New Roman" panose="02020603050405020304" pitchFamily="18" charset="0"/>
+              </a:rPr>
+              <a:t>Copia del </a:t>
+            </a:r>
+            <a:r>
+              <a:rPr lang="it-IT" sz="3600" dirty="0" err="1">
+                <a:latin typeface="Arial" panose="020B0604020202020204" pitchFamily="34" charset="0"/>
+                <a:ea typeface="MS PGothic" panose="020B0600070205080204" pitchFamily="34" charset="-128"/>
+                <a:cs typeface="Times New Roman" panose="02020603050405020304" pitchFamily="18" charset="0"/>
+              </a:rPr>
+              <a:t>repository</a:t>
+            </a:r>
+            <a:r>
+              <a:rPr lang="it-IT" sz="3600" dirty="0">
+                <a:latin typeface="Arial" panose="020B0604020202020204" pitchFamily="34" charset="0"/>
+                <a:ea typeface="MS PGothic" panose="020B0600070205080204" pitchFamily="34" charset="-128"/>
+                <a:cs typeface="Times New Roman" panose="02020603050405020304" pitchFamily="18" charset="0"/>
+              </a:rPr>
+              <a:t> remoto:</a:t>
+            </a:r>
+          </a:p>
+          <a:p>
+            <a:pPr>
+              <a:spcAft>
+                <a:spcPts val="0"/>
+              </a:spcAft>
+              <a:tabLst>
+                <a:tab pos="581660" algn="l"/>
+                <a:tab pos="1163320" algn="l"/>
+                <a:tab pos="1744980" algn="l"/>
+                <a:tab pos="2326640" algn="l"/>
+                <a:tab pos="2908300" algn="l"/>
+                <a:tab pos="3489960" algn="l"/>
+                <a:tab pos="4071620" algn="l"/>
+                <a:tab pos="4653280" algn="l"/>
+                <a:tab pos="5234940" algn="l"/>
+                <a:tab pos="5816600" algn="l"/>
+                <a:tab pos="6398260" algn="l"/>
+                <a:tab pos="6979920" algn="l"/>
+                <a:tab pos="7561580" algn="l"/>
+                <a:tab pos="8143240" algn="l"/>
+                <a:tab pos="8724900" algn="l"/>
+                <a:tab pos="9306560" algn="l"/>
+              </a:tabLst>
+            </a:pPr>
+            <a:r>
+              <a:rPr lang="en-GB" sz="1600" dirty="0">
+                <a:solidFill>
+                  <a:srgbClr val="333333"/>
+                </a:solidFill>
+                <a:latin typeface="Consolas" panose="020B0609020204030204" pitchFamily="49" charset="0"/>
+                <a:ea typeface="MS PGothic" panose="020B0600070205080204" pitchFamily="34" charset="-128"/>
+                <a:cs typeface="Courier"/>
+              </a:rPr>
+              <a:t>$ git clone https://</a:t>
+            </a:r>
+            <a:r>
+              <a:rPr lang="en-GB" sz="1600" dirty="0" smtClean="0">
+                <a:solidFill>
+                  <a:srgbClr val="333333"/>
+                </a:solidFill>
+                <a:latin typeface="Consolas" panose="020B0609020204030204" pitchFamily="49" charset="0"/>
+                <a:ea typeface="MS PGothic" panose="020B0600070205080204" pitchFamily="34" charset="-128"/>
+                <a:cs typeface="Courier"/>
+              </a:rPr>
+              <a:t>github.com/cristinalombardo/slr1parser.git</a:t>
+            </a:r>
+            <a:endParaRPr lang="it-IT" sz="1600" dirty="0" smtClean="0">
+              <a:solidFill>
+                <a:srgbClr val="333333"/>
+              </a:solidFill>
+              <a:latin typeface="Consolas" panose="020B0609020204030204" pitchFamily="49" charset="0"/>
+              <a:ea typeface="MS PGothic" panose="020B0600070205080204" pitchFamily="34" charset="-128"/>
+              <a:cs typeface="Courier"/>
+            </a:endParaRPr>
+          </a:p>
+          <a:p>
+            <a:pPr algn="just">
+              <a:lnSpc>
+                <a:spcPct val="150000"/>
+              </a:lnSpc>
+              <a:spcAft>
+                <a:spcPts val="0"/>
+              </a:spcAft>
+            </a:pPr>
+            <a:r>
+              <a:rPr lang="en-GB" sz="3600" dirty="0" smtClean="0">
+                <a:latin typeface="Arial" panose="020B0604020202020204" pitchFamily="34" charset="0"/>
+                <a:ea typeface="MS PGothic" panose="020B0600070205080204" pitchFamily="34" charset="-128"/>
+                <a:cs typeface="Times New Roman" panose="02020603050405020304" pitchFamily="18" charset="0"/>
+              </a:rPr>
+              <a:t> </a:t>
+            </a:r>
+            <a:endParaRPr lang="it-IT" sz="3600" dirty="0" smtClean="0">
+              <a:latin typeface="Arial" panose="020B0604020202020204" pitchFamily="34" charset="0"/>
+              <a:ea typeface="MS PGothic" panose="020B0600070205080204" pitchFamily="34" charset="-128"/>
+              <a:cs typeface="Times New Roman" panose="02020603050405020304" pitchFamily="18" charset="0"/>
+            </a:endParaRPr>
+          </a:p>
+          <a:p>
+            <a:pPr algn="just">
+              <a:lnSpc>
+                <a:spcPct val="150000"/>
+              </a:lnSpc>
+              <a:spcAft>
+                <a:spcPts val="0"/>
+              </a:spcAft>
+            </a:pPr>
+            <a:r>
+              <a:rPr lang="it-IT" sz="3600" dirty="0" smtClean="0">
+                <a:latin typeface="Arial" panose="020B0604020202020204" pitchFamily="34" charset="0"/>
+                <a:ea typeface="MS PGothic" panose="020B0600070205080204" pitchFamily="34" charset="-128"/>
+                <a:cs typeface="Times New Roman" panose="02020603050405020304" pitchFamily="18" charset="0"/>
+              </a:rPr>
+              <a:t>Esecuzione </a:t>
+            </a:r>
+            <a:r>
+              <a:rPr lang="it-IT" sz="3600" dirty="0">
+                <a:latin typeface="Arial" panose="020B0604020202020204" pitchFamily="34" charset="0"/>
+                <a:ea typeface="MS PGothic" panose="020B0600070205080204" pitchFamily="34" charset="-128"/>
+                <a:cs typeface="Times New Roman" panose="02020603050405020304" pitchFamily="18" charset="0"/>
+              </a:rPr>
+              <a:t>del programma</a:t>
+            </a:r>
+          </a:p>
+          <a:p>
+            <a:pPr>
+              <a:spcAft>
+                <a:spcPts val="0"/>
+              </a:spcAft>
+              <a:tabLst>
+                <a:tab pos="581660" algn="l"/>
+                <a:tab pos="1163320" algn="l"/>
+                <a:tab pos="1744980" algn="l"/>
+                <a:tab pos="2326640" algn="l"/>
+                <a:tab pos="2908300" algn="l"/>
+                <a:tab pos="3489960" algn="l"/>
+                <a:tab pos="4071620" algn="l"/>
+                <a:tab pos="4653280" algn="l"/>
+                <a:tab pos="5234940" algn="l"/>
+                <a:tab pos="5816600" algn="l"/>
+                <a:tab pos="6398260" algn="l"/>
+                <a:tab pos="6979920" algn="l"/>
+                <a:tab pos="7561580" algn="l"/>
+                <a:tab pos="8143240" algn="l"/>
+                <a:tab pos="8724900" algn="l"/>
+                <a:tab pos="9306560" algn="l"/>
+              </a:tabLst>
+            </a:pPr>
+            <a:r>
+              <a:rPr lang="it-IT" dirty="0">
+                <a:solidFill>
+                  <a:srgbClr val="333333"/>
+                </a:solidFill>
+                <a:latin typeface="Consolas" panose="020B0609020204030204" pitchFamily="49" charset="0"/>
+                <a:ea typeface="MS PGothic" panose="020B0600070205080204" pitchFamily="34" charset="-128"/>
+                <a:cs typeface="Courier"/>
+              </a:rPr>
+              <a:t>$ </a:t>
+            </a:r>
+            <a:r>
+              <a:rPr lang="it-IT" dirty="0">
+                <a:solidFill>
+                  <a:srgbClr val="0086B3"/>
+                </a:solidFill>
+                <a:latin typeface="Consolas" panose="020B0609020204030204" pitchFamily="49" charset="0"/>
+                <a:ea typeface="MS PGothic" panose="020B0600070205080204" pitchFamily="34" charset="-128"/>
+                <a:cs typeface="Courier"/>
+              </a:rPr>
+              <a:t>cd</a:t>
+            </a:r>
+            <a:r>
+              <a:rPr lang="it-IT" dirty="0">
+                <a:solidFill>
+                  <a:srgbClr val="333333"/>
+                </a:solidFill>
+                <a:latin typeface="Consolas" panose="020B0609020204030204" pitchFamily="49" charset="0"/>
+                <a:ea typeface="MS PGothic" panose="020B0600070205080204" pitchFamily="34" charset="-128"/>
+                <a:cs typeface="Courier"/>
+              </a:rPr>
+              <a:t> slr1parser/</a:t>
+            </a:r>
+            <a:r>
+              <a:rPr lang="it-IT" dirty="0" err="1">
+                <a:solidFill>
+                  <a:srgbClr val="333333"/>
+                </a:solidFill>
+                <a:latin typeface="Consolas" panose="020B0609020204030204" pitchFamily="49" charset="0"/>
+                <a:ea typeface="MS PGothic" panose="020B0600070205080204" pitchFamily="34" charset="-128"/>
+                <a:cs typeface="Courier"/>
+              </a:rPr>
+              <a:t>dist</a:t>
+            </a:r>
+            <a:r>
+              <a:rPr lang="it-IT" dirty="0">
+                <a:solidFill>
+                  <a:srgbClr val="333333"/>
+                </a:solidFill>
+                <a:latin typeface="Consolas" panose="020B0609020204030204" pitchFamily="49" charset="0"/>
+                <a:ea typeface="MS PGothic" panose="020B0600070205080204" pitchFamily="34" charset="-128"/>
+                <a:cs typeface="Courier"/>
+              </a:rPr>
+              <a:t> </a:t>
+            </a:r>
+          </a:p>
+          <a:p>
+            <a:pPr>
+              <a:spcAft>
+                <a:spcPts val="0"/>
+              </a:spcAft>
+              <a:tabLst>
+                <a:tab pos="581660" algn="l"/>
+                <a:tab pos="1163320" algn="l"/>
+                <a:tab pos="1744980" algn="l"/>
+                <a:tab pos="2326640" algn="l"/>
+                <a:tab pos="2908300" algn="l"/>
+                <a:tab pos="3489960" algn="l"/>
+                <a:tab pos="4071620" algn="l"/>
+                <a:tab pos="4653280" algn="l"/>
+                <a:tab pos="5234940" algn="l"/>
+                <a:tab pos="5816600" algn="l"/>
+                <a:tab pos="6398260" algn="l"/>
+                <a:tab pos="6979920" algn="l"/>
+                <a:tab pos="7561580" algn="l"/>
+                <a:tab pos="8143240" algn="l"/>
+                <a:tab pos="8724900" algn="l"/>
+                <a:tab pos="9306560" algn="l"/>
+              </a:tabLst>
+            </a:pPr>
+            <a:r>
+              <a:rPr lang="it-IT" dirty="0">
+                <a:solidFill>
+                  <a:srgbClr val="333333"/>
+                </a:solidFill>
+                <a:latin typeface="Consolas" panose="020B0609020204030204" pitchFamily="49" charset="0"/>
+                <a:ea typeface="MS PGothic" panose="020B0600070205080204" pitchFamily="34" charset="-128"/>
+                <a:cs typeface="Courier"/>
+              </a:rPr>
+              <a:t>$ java -</a:t>
+            </a:r>
+            <a:r>
+              <a:rPr lang="it-IT" dirty="0" err="1">
+                <a:solidFill>
+                  <a:srgbClr val="333333"/>
+                </a:solidFill>
+                <a:latin typeface="Consolas" panose="020B0609020204030204" pitchFamily="49" charset="0"/>
+                <a:ea typeface="MS PGothic" panose="020B0600070205080204" pitchFamily="34" charset="-128"/>
+                <a:cs typeface="Courier"/>
+              </a:rPr>
+              <a:t>jar</a:t>
+            </a:r>
+            <a:r>
+              <a:rPr lang="it-IT" dirty="0">
+                <a:solidFill>
+                  <a:srgbClr val="333333"/>
+                </a:solidFill>
+                <a:latin typeface="Consolas" panose="020B0609020204030204" pitchFamily="49" charset="0"/>
+                <a:ea typeface="MS PGothic" panose="020B0600070205080204" pitchFamily="34" charset="-128"/>
+                <a:cs typeface="Courier"/>
+              </a:rPr>
+              <a:t> slr1parser.jar ebnf-simple.txt</a:t>
+            </a:r>
+          </a:p>
+          <a:p>
+            <a:endParaRPr lang="it-IT" dirty="0"/>
+          </a:p>
+        </p:txBody>
+      </p:sp>
+    </p:spTree>
+    <p:extLst>
+      <p:ext uri="{BB962C8B-B14F-4D97-AF65-F5344CB8AC3E}">
+        <p14:creationId xmlns:p14="http://schemas.microsoft.com/office/powerpoint/2010/main" val="1279709219"/>
+      </p:ext>
+    </p:extLst>
+  </p:cSld>
+  <p:clrMapOvr>
+    <a:masterClrMapping/>
+  </p:clrMapOvr>
+  <p:timing>
+    <p:tnLst>
+      <p:par>
+        <p:cTn id="1" dur="indefinite" restart="never" nodeType="tmRoot"/>
+      </p:par>
+    </p:tnLst>
+  </p:timing>
+</p:sld>
+</file>
+
+<file path=ppt/slides/slide15.xml><?xml version="1.0" encoding="utf-8"?>
+<p:sld xmlns:a="http://schemas.openxmlformats.org/drawingml/2006/main" xmlns:r="http://schemas.openxmlformats.org/officeDocument/2006/relationships" xmlns:p="http://schemas.openxmlformats.org/presentationml/2006/main">
+  <p:cSld>
+    <p:spTree>
+      <p:nvGrpSpPr>
+        <p:cNvPr id="1" name=""/>
+        <p:cNvGrpSpPr/>
+        <p:nvPr/>
+      </p:nvGrpSpPr>
+      <p:grpSpPr>
+        <a:xfrm>
+          <a:off x="0" y="0"/>
+          <a:ext cx="0" cy="0"/>
+          <a:chOff x="0" y="0"/>
+          <a:chExt cx="0" cy="0"/>
+        </a:xfrm>
+      </p:grpSpPr>
+      <p:sp>
+        <p:nvSpPr>
+          <p:cNvPr id="4" name="Titolo 3"/>
+          <p:cNvSpPr>
+            <a:spLocks noGrp="1"/>
+          </p:cNvSpPr>
+          <p:nvPr>
+            <p:ph type="title"/>
+          </p:nvPr>
+        </p:nvSpPr>
+        <p:spPr/>
+        <p:txBody>
+          <a:bodyPr/>
+          <a:lstStyle/>
+          <a:p>
+            <a:r>
+              <a:rPr lang="it-IT" dirty="0" smtClean="0"/>
+              <a:t>Compilazione con </a:t>
+            </a:r>
+            <a:r>
+              <a:rPr lang="it-IT" dirty="0" err="1" smtClean="0"/>
+              <a:t>Maven</a:t>
+            </a:r>
+            <a:endParaRPr lang="it-IT" dirty="0"/>
+          </a:p>
+        </p:txBody>
+      </p:sp>
+      <p:sp>
+        <p:nvSpPr>
+          <p:cNvPr id="5" name="Segnaposto testo 4"/>
+          <p:cNvSpPr>
+            <a:spLocks noGrp="1"/>
+          </p:cNvSpPr>
+          <p:nvPr>
+            <p:ph type="body" idx="1"/>
+          </p:nvPr>
+        </p:nvSpPr>
+        <p:spPr>
+          <a:xfrm>
+            <a:off x="579674" y="1179576"/>
+            <a:ext cx="2204623" cy="479822"/>
+          </a:xfrm>
+        </p:spPr>
+        <p:txBody>
+          <a:bodyPr/>
+          <a:lstStyle/>
+          <a:p>
+            <a:r>
+              <a:rPr lang="it-IT" dirty="0" err="1" smtClean="0"/>
+              <a:t>rEQUISITI</a:t>
+            </a:r>
+            <a:endParaRPr lang="it-IT" dirty="0"/>
+          </a:p>
+        </p:txBody>
+      </p:sp>
+      <p:sp>
+        <p:nvSpPr>
+          <p:cNvPr id="6" name="Segnaposto contenuto 5"/>
+          <p:cNvSpPr>
+            <a:spLocks noGrp="1"/>
+          </p:cNvSpPr>
+          <p:nvPr>
+            <p:ph sz="half" idx="2"/>
+          </p:nvPr>
+        </p:nvSpPr>
+        <p:spPr>
+          <a:xfrm>
+            <a:off x="579674" y="1694525"/>
+            <a:ext cx="2204623" cy="2880360"/>
+          </a:xfrm>
+        </p:spPr>
+        <p:txBody>
+          <a:bodyPr/>
+          <a:lstStyle/>
+          <a:p>
+            <a:pPr marL="342900" indent="-342900">
+              <a:buFont typeface="Arial" panose="020B0604020202020204" pitchFamily="34" charset="0"/>
+              <a:buChar char="•"/>
+            </a:pPr>
+            <a:r>
+              <a:rPr lang="it-IT" dirty="0" smtClean="0"/>
+              <a:t>JDK 1.8</a:t>
+            </a:r>
+          </a:p>
+          <a:p>
+            <a:pPr marL="342900" indent="-342900">
+              <a:buFont typeface="Arial" panose="020B0604020202020204" pitchFamily="34" charset="0"/>
+              <a:buChar char="•"/>
+            </a:pPr>
+            <a:r>
+              <a:rPr lang="it-IT" dirty="0" smtClean="0"/>
+              <a:t>GIT</a:t>
+            </a:r>
+          </a:p>
+          <a:p>
+            <a:pPr marL="342900" indent="-342900">
+              <a:buFont typeface="Arial" panose="020B0604020202020204" pitchFamily="34" charset="0"/>
+              <a:buChar char="•"/>
+            </a:pPr>
+            <a:r>
+              <a:rPr lang="it-IT" dirty="0" err="1" smtClean="0"/>
+              <a:t>Maven</a:t>
+            </a:r>
+            <a:endParaRPr lang="it-IT" dirty="0"/>
+          </a:p>
+        </p:txBody>
+      </p:sp>
+      <p:sp>
+        <p:nvSpPr>
+          <p:cNvPr id="7" name="Segnaposto testo 6"/>
+          <p:cNvSpPr>
+            <a:spLocks noGrp="1"/>
+          </p:cNvSpPr>
+          <p:nvPr>
+            <p:ph type="body" sz="quarter" idx="3"/>
+          </p:nvPr>
+        </p:nvSpPr>
+        <p:spPr>
+          <a:xfrm>
+            <a:off x="3113070" y="1179576"/>
+            <a:ext cx="5271978" cy="479822"/>
+          </a:xfrm>
+        </p:spPr>
+        <p:txBody>
+          <a:bodyPr/>
+          <a:lstStyle/>
+          <a:p>
+            <a:r>
+              <a:rPr lang="it-IT" dirty="0" err="1" smtClean="0"/>
+              <a:t>aZIONI</a:t>
+            </a:r>
+            <a:endParaRPr lang="it-IT" dirty="0"/>
+          </a:p>
+        </p:txBody>
+      </p:sp>
+      <p:sp>
+        <p:nvSpPr>
+          <p:cNvPr id="8" name="Segnaposto contenuto 7"/>
+          <p:cNvSpPr>
+            <a:spLocks noGrp="1"/>
+          </p:cNvSpPr>
+          <p:nvPr>
+            <p:ph sz="quarter" idx="4"/>
+          </p:nvPr>
+        </p:nvSpPr>
+        <p:spPr>
+          <a:xfrm>
+            <a:off x="3113070" y="1694525"/>
+            <a:ext cx="5271978" cy="2880360"/>
+          </a:xfrm>
+        </p:spPr>
+        <p:txBody>
+          <a:bodyPr>
+            <a:normAutofit fontScale="47500" lnSpcReduction="20000"/>
+          </a:bodyPr>
+          <a:lstStyle/>
+          <a:p>
+            <a:pPr algn="just">
+              <a:lnSpc>
+                <a:spcPct val="150000"/>
+              </a:lnSpc>
+              <a:spcAft>
+                <a:spcPts val="0"/>
+              </a:spcAft>
+            </a:pPr>
+            <a:r>
+              <a:rPr lang="it-IT" sz="3600" dirty="0">
+                <a:latin typeface="Arial" panose="020B0604020202020204" pitchFamily="34" charset="0"/>
+                <a:ea typeface="MS PGothic" panose="020B0600070205080204" pitchFamily="34" charset="-128"/>
+                <a:cs typeface="Times New Roman" panose="02020603050405020304" pitchFamily="18" charset="0"/>
+              </a:rPr>
+              <a:t>Copia del </a:t>
+            </a:r>
+            <a:r>
+              <a:rPr lang="it-IT" sz="3600" dirty="0" err="1">
+                <a:latin typeface="Arial" panose="020B0604020202020204" pitchFamily="34" charset="0"/>
+                <a:ea typeface="MS PGothic" panose="020B0600070205080204" pitchFamily="34" charset="-128"/>
+                <a:cs typeface="Times New Roman" panose="02020603050405020304" pitchFamily="18" charset="0"/>
+              </a:rPr>
+              <a:t>repository</a:t>
+            </a:r>
+            <a:r>
+              <a:rPr lang="it-IT" sz="3600" dirty="0">
+                <a:latin typeface="Arial" panose="020B0604020202020204" pitchFamily="34" charset="0"/>
+                <a:ea typeface="MS PGothic" panose="020B0600070205080204" pitchFamily="34" charset="-128"/>
+                <a:cs typeface="Times New Roman" panose="02020603050405020304" pitchFamily="18" charset="0"/>
+              </a:rPr>
+              <a:t> remoto:</a:t>
+            </a:r>
+          </a:p>
+          <a:p>
+            <a:pPr>
+              <a:spcAft>
+                <a:spcPts val="0"/>
+              </a:spcAft>
+              <a:tabLst>
+                <a:tab pos="581660" algn="l"/>
+                <a:tab pos="1163320" algn="l"/>
+                <a:tab pos="1744980" algn="l"/>
+                <a:tab pos="2326640" algn="l"/>
+                <a:tab pos="2908300" algn="l"/>
+                <a:tab pos="3489960" algn="l"/>
+                <a:tab pos="4071620" algn="l"/>
+                <a:tab pos="4653280" algn="l"/>
+                <a:tab pos="5234940" algn="l"/>
+                <a:tab pos="5816600" algn="l"/>
+                <a:tab pos="6398260" algn="l"/>
+                <a:tab pos="6979920" algn="l"/>
+                <a:tab pos="7561580" algn="l"/>
+                <a:tab pos="8143240" algn="l"/>
+                <a:tab pos="8724900" algn="l"/>
+                <a:tab pos="9306560" algn="l"/>
+              </a:tabLst>
+            </a:pPr>
+            <a:r>
+              <a:rPr lang="en-GB" sz="2300" dirty="0">
+                <a:solidFill>
+                  <a:srgbClr val="333333"/>
+                </a:solidFill>
+                <a:latin typeface="Consolas" panose="020B0609020204030204" pitchFamily="49" charset="0"/>
+                <a:ea typeface="MS PGothic" panose="020B0600070205080204" pitchFamily="34" charset="-128"/>
+                <a:cs typeface="Courier"/>
+              </a:rPr>
+              <a:t>$ git clone https://</a:t>
+            </a:r>
+            <a:r>
+              <a:rPr lang="en-GB" sz="2300" dirty="0" smtClean="0">
+                <a:solidFill>
+                  <a:srgbClr val="333333"/>
+                </a:solidFill>
+                <a:latin typeface="Consolas" panose="020B0609020204030204" pitchFamily="49" charset="0"/>
+                <a:ea typeface="MS PGothic" panose="020B0600070205080204" pitchFamily="34" charset="-128"/>
+                <a:cs typeface="Courier"/>
+              </a:rPr>
+              <a:t>github.com/cristinalombardo/slr1parser.git</a:t>
+            </a:r>
+            <a:endParaRPr lang="it-IT" sz="2300" dirty="0" smtClean="0">
+              <a:solidFill>
+                <a:srgbClr val="333333"/>
+              </a:solidFill>
+              <a:latin typeface="Consolas" panose="020B0609020204030204" pitchFamily="49" charset="0"/>
+              <a:ea typeface="MS PGothic" panose="020B0600070205080204" pitchFamily="34" charset="-128"/>
+              <a:cs typeface="Courier"/>
+            </a:endParaRPr>
+          </a:p>
+          <a:p>
+            <a:pPr algn="just">
+              <a:lnSpc>
+                <a:spcPct val="150000"/>
+              </a:lnSpc>
+              <a:spcAft>
+                <a:spcPts val="0"/>
+              </a:spcAft>
+            </a:pPr>
+            <a:endParaRPr lang="en-GB" sz="3600" dirty="0">
+              <a:latin typeface="Arial" panose="020B0604020202020204" pitchFamily="34" charset="0"/>
+              <a:ea typeface="MS PGothic" panose="020B0600070205080204" pitchFamily="34" charset="-128"/>
+              <a:cs typeface="Times New Roman" panose="02020603050405020304" pitchFamily="18" charset="0"/>
+            </a:endParaRPr>
+          </a:p>
+          <a:p>
+            <a:pPr algn="just">
+              <a:lnSpc>
+                <a:spcPct val="150000"/>
+              </a:lnSpc>
+              <a:spcAft>
+                <a:spcPts val="0"/>
+              </a:spcAft>
+            </a:pPr>
+            <a:r>
+              <a:rPr lang="it-IT" sz="3600" dirty="0" smtClean="0">
+                <a:latin typeface="Arial" panose="020B0604020202020204" pitchFamily="34" charset="0"/>
+                <a:ea typeface="MS PGothic" panose="020B0600070205080204" pitchFamily="34" charset="-128"/>
+                <a:cs typeface="Times New Roman" panose="02020603050405020304" pitchFamily="18" charset="0"/>
+              </a:rPr>
+              <a:t>Compilazione </a:t>
+            </a:r>
+            <a:r>
+              <a:rPr lang="it-IT" sz="3600" dirty="0">
+                <a:latin typeface="Arial" panose="020B0604020202020204" pitchFamily="34" charset="0"/>
+                <a:ea typeface="MS PGothic" panose="020B0600070205080204" pitchFamily="34" charset="-128"/>
+                <a:cs typeface="Times New Roman" panose="02020603050405020304" pitchFamily="18" charset="0"/>
+              </a:rPr>
+              <a:t>con </a:t>
+            </a:r>
+            <a:r>
+              <a:rPr lang="it-IT" sz="3600" dirty="0" err="1">
+                <a:latin typeface="Arial" panose="020B0604020202020204" pitchFamily="34" charset="0"/>
+                <a:ea typeface="MS PGothic" panose="020B0600070205080204" pitchFamily="34" charset="-128"/>
+                <a:cs typeface="Times New Roman" panose="02020603050405020304" pitchFamily="18" charset="0"/>
+              </a:rPr>
+              <a:t>maven</a:t>
+            </a:r>
+            <a:endParaRPr lang="it-IT" sz="3600" dirty="0">
+              <a:latin typeface="Arial" panose="020B0604020202020204" pitchFamily="34" charset="0"/>
+              <a:ea typeface="MS PGothic" panose="020B0600070205080204" pitchFamily="34" charset="-128"/>
+              <a:cs typeface="Times New Roman" panose="02020603050405020304" pitchFamily="18" charset="0"/>
+            </a:endParaRPr>
+          </a:p>
+          <a:p>
+            <a:pPr>
+              <a:spcAft>
+                <a:spcPts val="0"/>
+              </a:spcAft>
+              <a:tabLst>
+                <a:tab pos="581660" algn="l"/>
+                <a:tab pos="1163320" algn="l"/>
+                <a:tab pos="1744980" algn="l"/>
+                <a:tab pos="2326640" algn="l"/>
+                <a:tab pos="2908300" algn="l"/>
+                <a:tab pos="3489960" algn="l"/>
+                <a:tab pos="4071620" algn="l"/>
+                <a:tab pos="4653280" algn="l"/>
+                <a:tab pos="5234940" algn="l"/>
+                <a:tab pos="5816600" algn="l"/>
+                <a:tab pos="6398260" algn="l"/>
+                <a:tab pos="6979920" algn="l"/>
+                <a:tab pos="7561580" algn="l"/>
+                <a:tab pos="8143240" algn="l"/>
+                <a:tab pos="8724900" algn="l"/>
+                <a:tab pos="9306560" algn="l"/>
+              </a:tabLst>
+            </a:pPr>
+            <a:r>
+              <a:rPr lang="it-IT" dirty="0">
+                <a:solidFill>
+                  <a:srgbClr val="333333"/>
+                </a:solidFill>
+                <a:latin typeface="Consolas" panose="020B0609020204030204" pitchFamily="49" charset="0"/>
+                <a:ea typeface="MS PGothic" panose="020B0600070205080204" pitchFamily="34" charset="-128"/>
+                <a:cs typeface="Courier"/>
+              </a:rPr>
+              <a:t>$ </a:t>
+            </a:r>
+            <a:r>
+              <a:rPr lang="it-IT" dirty="0">
+                <a:solidFill>
+                  <a:srgbClr val="0086B3"/>
+                </a:solidFill>
+                <a:latin typeface="Consolas" panose="020B0609020204030204" pitchFamily="49" charset="0"/>
+                <a:ea typeface="MS PGothic" panose="020B0600070205080204" pitchFamily="34" charset="-128"/>
+                <a:cs typeface="Courier"/>
+              </a:rPr>
+              <a:t>cd</a:t>
+            </a:r>
+            <a:r>
+              <a:rPr lang="it-IT" dirty="0">
+                <a:solidFill>
+                  <a:srgbClr val="333333"/>
+                </a:solidFill>
+                <a:latin typeface="Consolas" panose="020B0609020204030204" pitchFamily="49" charset="0"/>
+                <a:ea typeface="MS PGothic" panose="020B0600070205080204" pitchFamily="34" charset="-128"/>
+                <a:cs typeface="Courier"/>
+              </a:rPr>
+              <a:t> slr1parser/slr1parser </a:t>
+            </a:r>
+          </a:p>
+          <a:p>
+            <a:pPr>
+              <a:spcAft>
+                <a:spcPts val="0"/>
+              </a:spcAft>
+              <a:tabLst>
+                <a:tab pos="581660" algn="l"/>
+                <a:tab pos="1163320" algn="l"/>
+                <a:tab pos="1744980" algn="l"/>
+                <a:tab pos="2326640" algn="l"/>
+                <a:tab pos="2908300" algn="l"/>
+                <a:tab pos="3489960" algn="l"/>
+                <a:tab pos="4071620" algn="l"/>
+                <a:tab pos="4653280" algn="l"/>
+                <a:tab pos="5234940" algn="l"/>
+                <a:tab pos="5816600" algn="l"/>
+                <a:tab pos="6398260" algn="l"/>
+                <a:tab pos="6979920" algn="l"/>
+                <a:tab pos="7561580" algn="l"/>
+                <a:tab pos="8143240" algn="l"/>
+                <a:tab pos="8724900" algn="l"/>
+                <a:tab pos="9306560" algn="l"/>
+              </a:tabLst>
+            </a:pPr>
+            <a:r>
+              <a:rPr lang="it-IT" dirty="0">
+                <a:solidFill>
+                  <a:srgbClr val="333333"/>
+                </a:solidFill>
+                <a:latin typeface="Consolas" panose="020B0609020204030204" pitchFamily="49" charset="0"/>
+                <a:ea typeface="MS PGothic" panose="020B0600070205080204" pitchFamily="34" charset="-128"/>
+                <a:cs typeface="Courier"/>
+              </a:rPr>
+              <a:t>$ </a:t>
+            </a:r>
+            <a:r>
+              <a:rPr lang="it-IT" dirty="0" err="1">
+                <a:solidFill>
+                  <a:srgbClr val="333333"/>
+                </a:solidFill>
+                <a:latin typeface="Consolas" panose="020B0609020204030204" pitchFamily="49" charset="0"/>
+                <a:ea typeface="MS PGothic" panose="020B0600070205080204" pitchFamily="34" charset="-128"/>
+                <a:cs typeface="Courier"/>
+              </a:rPr>
+              <a:t>mvn</a:t>
+            </a:r>
+            <a:r>
+              <a:rPr lang="it-IT" dirty="0">
+                <a:solidFill>
+                  <a:srgbClr val="333333"/>
+                </a:solidFill>
+                <a:latin typeface="Consolas" panose="020B0609020204030204" pitchFamily="49" charset="0"/>
+                <a:ea typeface="MS PGothic" panose="020B0600070205080204" pitchFamily="34" charset="-128"/>
+                <a:cs typeface="Courier"/>
+              </a:rPr>
+              <a:t> </a:t>
+            </a:r>
+            <a:r>
+              <a:rPr lang="it-IT" dirty="0" err="1">
+                <a:solidFill>
+                  <a:srgbClr val="333333"/>
+                </a:solidFill>
+                <a:latin typeface="Consolas" panose="020B0609020204030204" pitchFamily="49" charset="0"/>
+                <a:ea typeface="MS PGothic" panose="020B0600070205080204" pitchFamily="34" charset="-128"/>
+                <a:cs typeface="Courier"/>
+              </a:rPr>
+              <a:t>clean</a:t>
+            </a:r>
+            <a:r>
+              <a:rPr lang="it-IT" dirty="0">
+                <a:solidFill>
+                  <a:srgbClr val="333333"/>
+                </a:solidFill>
+                <a:latin typeface="Consolas" panose="020B0609020204030204" pitchFamily="49" charset="0"/>
+                <a:ea typeface="MS PGothic" panose="020B0600070205080204" pitchFamily="34" charset="-128"/>
+                <a:cs typeface="Courier"/>
+              </a:rPr>
+              <a:t> compile </a:t>
+            </a:r>
+            <a:r>
+              <a:rPr lang="it-IT" dirty="0" err="1">
+                <a:solidFill>
+                  <a:srgbClr val="333333"/>
+                </a:solidFill>
+                <a:latin typeface="Consolas" panose="020B0609020204030204" pitchFamily="49" charset="0"/>
+                <a:ea typeface="MS PGothic" panose="020B0600070205080204" pitchFamily="34" charset="-128"/>
+                <a:cs typeface="Courier"/>
+              </a:rPr>
+              <a:t>assembly:single</a:t>
+            </a:r>
+            <a:endParaRPr lang="it-IT" dirty="0">
+              <a:solidFill>
+                <a:srgbClr val="333333"/>
+              </a:solidFill>
+              <a:latin typeface="Consolas" panose="020B0609020204030204" pitchFamily="49" charset="0"/>
+              <a:ea typeface="MS PGothic" panose="020B0600070205080204" pitchFamily="34" charset="-128"/>
+              <a:cs typeface="Courier"/>
+            </a:endParaRPr>
+          </a:p>
+          <a:p>
+            <a:pPr algn="just">
+              <a:lnSpc>
+                <a:spcPct val="150000"/>
+              </a:lnSpc>
+              <a:spcAft>
+                <a:spcPts val="0"/>
+              </a:spcAft>
+            </a:pPr>
+            <a:r>
+              <a:rPr lang="it-IT" sz="3600" dirty="0">
+                <a:latin typeface="Arial" panose="020B0604020202020204" pitchFamily="34" charset="0"/>
+                <a:ea typeface="MS PGothic" panose="020B0600070205080204" pitchFamily="34" charset="-128"/>
+                <a:cs typeface="Times New Roman" panose="02020603050405020304" pitchFamily="18" charset="0"/>
+              </a:rPr>
+              <a:t> </a:t>
+            </a:r>
+          </a:p>
+          <a:p>
+            <a:pPr algn="just">
+              <a:lnSpc>
+                <a:spcPct val="150000"/>
+              </a:lnSpc>
+              <a:spcAft>
+                <a:spcPts val="0"/>
+              </a:spcAft>
+            </a:pPr>
+            <a:r>
+              <a:rPr lang="it-IT" sz="3600" dirty="0">
+                <a:latin typeface="Arial" panose="020B0604020202020204" pitchFamily="34" charset="0"/>
+                <a:ea typeface="MS PGothic" panose="020B0600070205080204" pitchFamily="34" charset="-128"/>
+                <a:cs typeface="Times New Roman" panose="02020603050405020304" pitchFamily="18" charset="0"/>
+              </a:rPr>
+              <a:t>Esecuzione del programma compilato</a:t>
+            </a:r>
+          </a:p>
+          <a:p>
+            <a:pPr>
+              <a:spcAft>
+                <a:spcPts val="0"/>
+              </a:spcAft>
+              <a:tabLst>
+                <a:tab pos="581660" algn="l"/>
+                <a:tab pos="1163320" algn="l"/>
+                <a:tab pos="1744980" algn="l"/>
+                <a:tab pos="2326640" algn="l"/>
+                <a:tab pos="2908300" algn="l"/>
+                <a:tab pos="3489960" algn="l"/>
+                <a:tab pos="4071620" algn="l"/>
+                <a:tab pos="4653280" algn="l"/>
+                <a:tab pos="5234940" algn="l"/>
+                <a:tab pos="5816600" algn="l"/>
+                <a:tab pos="6398260" algn="l"/>
+                <a:tab pos="6979920" algn="l"/>
+                <a:tab pos="7561580" algn="l"/>
+                <a:tab pos="8143240" algn="l"/>
+                <a:tab pos="8724900" algn="l"/>
+                <a:tab pos="9306560" algn="l"/>
+              </a:tabLst>
+            </a:pPr>
+            <a:r>
+              <a:rPr lang="it-IT" dirty="0">
+                <a:solidFill>
+                  <a:srgbClr val="333333"/>
+                </a:solidFill>
+                <a:latin typeface="Consolas" panose="020B0609020204030204" pitchFamily="49" charset="0"/>
+                <a:ea typeface="MS PGothic" panose="020B0600070205080204" pitchFamily="34" charset="-128"/>
+                <a:cs typeface="Courier"/>
+              </a:rPr>
+              <a:t>$ </a:t>
+            </a:r>
+            <a:r>
+              <a:rPr lang="it-IT" dirty="0">
+                <a:solidFill>
+                  <a:srgbClr val="0086B3"/>
+                </a:solidFill>
+                <a:latin typeface="Consolas" panose="020B0609020204030204" pitchFamily="49" charset="0"/>
+                <a:ea typeface="MS PGothic" panose="020B0600070205080204" pitchFamily="34" charset="-128"/>
+                <a:cs typeface="Courier"/>
+              </a:rPr>
+              <a:t>cd</a:t>
+            </a:r>
+            <a:r>
+              <a:rPr lang="it-IT" dirty="0">
+                <a:solidFill>
+                  <a:srgbClr val="333333"/>
+                </a:solidFill>
+                <a:latin typeface="Consolas" panose="020B0609020204030204" pitchFamily="49" charset="0"/>
+                <a:ea typeface="MS PGothic" panose="020B0600070205080204" pitchFamily="34" charset="-128"/>
+                <a:cs typeface="Courier"/>
+              </a:rPr>
+              <a:t> target </a:t>
+            </a:r>
+          </a:p>
+          <a:p>
+            <a:pPr>
+              <a:spcAft>
+                <a:spcPts val="0"/>
+              </a:spcAft>
+              <a:tabLst>
+                <a:tab pos="581660" algn="l"/>
+                <a:tab pos="1163320" algn="l"/>
+                <a:tab pos="1744980" algn="l"/>
+                <a:tab pos="2326640" algn="l"/>
+                <a:tab pos="2908300" algn="l"/>
+                <a:tab pos="3489960" algn="l"/>
+                <a:tab pos="4071620" algn="l"/>
+                <a:tab pos="4653280" algn="l"/>
+                <a:tab pos="5234940" algn="l"/>
+                <a:tab pos="5816600" algn="l"/>
+                <a:tab pos="6398260" algn="l"/>
+                <a:tab pos="6979920" algn="l"/>
+                <a:tab pos="7561580" algn="l"/>
+                <a:tab pos="8143240" algn="l"/>
+                <a:tab pos="8724900" algn="l"/>
+                <a:tab pos="9306560" algn="l"/>
+              </a:tabLst>
+            </a:pPr>
+            <a:r>
+              <a:rPr lang="it-IT" dirty="0">
+                <a:solidFill>
+                  <a:srgbClr val="333333"/>
+                </a:solidFill>
+                <a:latin typeface="Consolas" panose="020B0609020204030204" pitchFamily="49" charset="0"/>
+                <a:ea typeface="MS PGothic" panose="020B0600070205080204" pitchFamily="34" charset="-128"/>
+                <a:cs typeface="Courier"/>
+              </a:rPr>
+              <a:t>$ java -</a:t>
+            </a:r>
+            <a:r>
+              <a:rPr lang="it-IT" dirty="0" err="1">
+                <a:solidFill>
+                  <a:srgbClr val="333333"/>
+                </a:solidFill>
+                <a:latin typeface="Consolas" panose="020B0609020204030204" pitchFamily="49" charset="0"/>
+                <a:ea typeface="MS PGothic" panose="020B0600070205080204" pitchFamily="34" charset="-128"/>
+                <a:cs typeface="Courier"/>
+              </a:rPr>
+              <a:t>jar</a:t>
+            </a:r>
+            <a:r>
+              <a:rPr lang="it-IT" dirty="0">
+                <a:solidFill>
+                  <a:srgbClr val="333333"/>
+                </a:solidFill>
+                <a:latin typeface="Consolas" panose="020B0609020204030204" pitchFamily="49" charset="0"/>
+                <a:ea typeface="MS PGothic" panose="020B0600070205080204" pitchFamily="34" charset="-128"/>
+                <a:cs typeface="Courier"/>
+              </a:rPr>
+              <a:t> slr1parser.jar ebnf-simple.txt</a:t>
+            </a:r>
+          </a:p>
+          <a:p>
+            <a:pPr algn="just">
+              <a:lnSpc>
+                <a:spcPct val="150000"/>
+              </a:lnSpc>
+              <a:spcAft>
+                <a:spcPts val="0"/>
+              </a:spcAft>
+            </a:pPr>
+            <a:endParaRPr lang="it-IT" sz="3600" dirty="0">
+              <a:latin typeface="Arial" panose="020B0604020202020204" pitchFamily="34" charset="0"/>
+              <a:ea typeface="MS PGothic" panose="020B0600070205080204" pitchFamily="34" charset="-128"/>
+              <a:cs typeface="Times New Roman" panose="02020603050405020304" pitchFamily="18" charset="0"/>
+            </a:endParaRPr>
+          </a:p>
+        </p:txBody>
+      </p:sp>
+    </p:spTree>
+    <p:extLst>
+      <p:ext uri="{BB962C8B-B14F-4D97-AF65-F5344CB8AC3E}">
+        <p14:creationId xmlns:p14="http://schemas.microsoft.com/office/powerpoint/2010/main" val="2087605402"/>
+      </p:ext>
+    </p:extLst>
+  </p:cSld>
+  <p:clrMapOvr>
+    <a:masterClrMapping/>
+  </p:clrMapOvr>
+  <p:timing>
+    <p:tnLst>
+      <p:par>
+        <p:cTn id="1" dur="indefinite" restart="never" nodeType="tmRoot"/>
       </p:par>
     </p:tnLst>
   </p:timing>
@@ -16585,7 +17032,7 @@
   <p:timing>
     <p:tnLst>
       <p:par>
-        <p:cTn xmlns:p14="http://schemas.microsoft.com/office/powerpoint/2010/main" id="1" dur="indefinite" restart="never" nodeType="tmRoot"/>
+        <p:cTn id="1" dur="indefinite" restart="never" nodeType="tmRoot"/>
       </p:par>
     </p:tnLst>
   </p:timing>
@@ -16738,7 +17185,7 @@
   <p:timing>
     <p:tnLst>
       <p:par>
-        <p:cTn xmlns:p14="http://schemas.microsoft.com/office/powerpoint/2010/main" id="1" dur="indefinite" restart="never" nodeType="tmRoot"/>
+        <p:cTn id="1" dur="indefinite" restart="never" nodeType="tmRoot"/>
       </p:par>
     </p:tnLst>
   </p:timing>
@@ -17468,7 +17915,7 @@
   <p:timing>
     <p:tnLst>
       <p:par>
-        <p:cTn xmlns:p14="http://schemas.microsoft.com/office/powerpoint/2010/main" id="1" dur="indefinite" restart="never" nodeType="tmRoot"/>
+        <p:cTn id="1" dur="indefinite" restart="never" nodeType="tmRoot"/>
       </p:par>
     </p:tnLst>
   </p:timing>
@@ -26548,7 +26995,7 @@
   <p:timing>
     <p:tnLst>
       <p:par>
-        <p:cTn xmlns:p14="http://schemas.microsoft.com/office/powerpoint/2010/main" id="1" dur="indefinite" restart="never" nodeType="tmRoot"/>
+        <p:cTn id="1" dur="indefinite" restart="never" nodeType="tmRoot"/>
       </p:par>
     </p:tnLst>
   </p:timing>
@@ -26676,7 +27123,7 @@
   <p:timing>
     <p:tnLst>
       <p:par>
-        <p:cTn xmlns:p14="http://schemas.microsoft.com/office/powerpoint/2010/main" id="1" dur="indefinite" restart="never" nodeType="tmRoot"/>
+        <p:cTn id="1" dur="indefinite" restart="never" nodeType="tmRoot"/>
       </p:par>
     </p:tnLst>
   </p:timing>
@@ -27331,7 +27778,7 @@
   <p:timing>
     <p:tnLst>
       <p:par>
-        <p:cTn xmlns:p14="http://schemas.microsoft.com/office/powerpoint/2010/main" id="1" dur="indefinite" restart="never" nodeType="tmRoot"/>
+        <p:cTn id="1" dur="indefinite" restart="never" nodeType="tmRoot"/>
       </p:par>
     </p:tnLst>
   </p:timing>
@@ -27423,7 +27870,7 @@
           </p:nvPr>
         </p:nvPicPr>
         <p:blipFill>
-          <a:blip r:embed="rId2">
+          <a:blip r:embed="rId2" cstate="email">
             <a:extLst>
               <a:ext uri="{28A0092B-C50C-407E-A947-70E740481C1C}">
                 <a14:useLocalDpi xmlns:a14="http://schemas.microsoft.com/office/drawing/2010/main" val="0"/>
@@ -27458,7 +27905,7 @@
   <p:timing>
     <p:tnLst>
       <p:par>
-        <p:cTn xmlns:p14="http://schemas.microsoft.com/office/powerpoint/2010/main" id="1" dur="indefinite" restart="never" nodeType="tmRoot"/>
+        <p:cTn id="1" dur="indefinite" restart="never" nodeType="tmRoot"/>
       </p:par>
     </p:tnLst>
   </p:timing>
@@ -27903,7 +28350,7 @@
   <p:timing>
     <p:tnLst>
       <p:par>
-        <p:cTn xmlns:p14="http://schemas.microsoft.com/office/powerpoint/2010/main" id="1" dur="indefinite" restart="never" nodeType="tmRoot"/>
+        <p:cTn id="1" dur="indefinite" restart="never" nodeType="tmRoot"/>
       </p:par>
     </p:tnLst>
   </p:timing>
